--- a/PnP Transformation Process/Samples/PnP Transformation process - Intro - Contoso.pptx
+++ b/PnP Transformation Process/Samples/PnP Transformation process - Intro - Contoso.pptx
@@ -1040,7 +1040,7 @@
                 </a:solidFill>
               </a:rPr>
               <a:pPr/>
-              <a:t>5/26/2015</a:t>
+              <a:t>5/28/2015</a:t>
             </a:fld>
             <a:endParaRPr lang="en-US" dirty="0">
               <a:solidFill>
@@ -1478,13 +1478,8 @@
             </a:r>
             <a:r>
               <a:rPr lang="en-US" baseline="0" dirty="0" smtClean="0"/>
-              <a:t> the benefits of APP model, you may still need extra help to transition to App model. This might need services of an MS Partner.</a:t>
-            </a:r>
-          </a:p>
-          <a:p>
-            <a:pPr marL="226817" indent="-226817">
-              <a:buAutoNum type="arabicParenR"/>
-            </a:pPr>
+              <a:t> the benefits of APP model, you may still need extra help to transition to App model. </a:t>
+            </a:r>
             <a:endParaRPr lang="en-US" dirty="0"/>
           </a:p>
         </p:txBody>
@@ -1514,7 +1509,7 @@
           <a:p>
             <a:fld id="{DB4CBCD6-A669-4A56-A2DB-A722ECBC3C1C}" type="datetime1">
               <a:rPr lang="en-US" smtClean="0"/>
-              <a:t>5/26/2015</a:t>
+              <a:t>5/28/2015</a:t>
             </a:fld>
             <a:endParaRPr lang="en-US"/>
           </a:p>
@@ -1718,7 +1713,15 @@
             </a:pPr>
             <a:r>
               <a:rPr lang="en-US" baseline="0" dirty="0" smtClean="0"/>
-              <a:t>FTC: Full Trust Code</a:t>
+              <a:t>FTC: Full </a:t>
+            </a:r>
+            <a:r>
+              <a:rPr lang="en-US" baseline="0" smtClean="0"/>
+              <a:t>Trust </a:t>
+            </a:r>
+            <a:r>
+              <a:rPr lang="en-US" baseline="0" smtClean="0"/>
+              <a:t>Code</a:t>
             </a:r>
           </a:p>
           <a:p>
@@ -1740,15 +1743,12 @@
               <a:defRPr/>
             </a:pPr>
             <a:r>
+              <a:rPr lang="en-US" smtClean="0"/>
+              <a:t>Align </a:t>
+            </a:r>
+            <a:r>
               <a:rPr lang="en-US" dirty="0" smtClean="0"/>
-              <a:t>Office 365 MT: Office 365 Multi Tenant</a:t>
-            </a:r>
-            <a:endParaRPr lang="en-US" baseline="0" dirty="0" smtClean="0"/>
-          </a:p>
-          <a:p>
-            <a:r>
-              <a:rPr lang="en-US" dirty="0" smtClean="0"/>
-              <a:t>Align to the cloud service roadmap</a:t>
+              <a:t>to the cloud service roadmap</a:t>
             </a:r>
           </a:p>
           <a:p>
@@ -1785,7 +1785,7 @@
           <a:p>
             <a:fld id="{C8F7DF0B-6DBF-49E1-99D2-6A728468D61E}" type="datetime1">
               <a:rPr lang="en-US" smtClean="0"/>
-              <a:t>5/26/2015</a:t>
+              <a:t>5/28/2015</a:t>
             </a:fld>
             <a:endParaRPr lang="en-US"/>
           </a:p>
@@ -2347,7 +2347,7 @@
                 </a:solidFill>
               </a:rPr>
               <a:pPr/>
-              <a:t>5/26/2015</a:t>
+              <a:t>5/28/2015</a:t>
             </a:fld>
             <a:endParaRPr lang="en-US" dirty="0">
               <a:solidFill>
@@ -16795,8 +16795,13 @@
             </a:r>
             <a:r>
               <a:rPr lang="en-US" sz="2000" dirty="0"/>
-              <a:t>Office 365 MT</a:t>
-            </a:r>
+              <a:t>Office </a:t>
+            </a:r>
+            <a:r>
+              <a:rPr lang="en-US" sz="2000" dirty="0" smtClean="0"/>
+              <a:t>365</a:t>
+            </a:r>
+            <a:endParaRPr lang="en-US" sz="2000" dirty="0"/>
           </a:p>
         </p:txBody>
       </p:sp>
@@ -21879,6 +21884,12 @@
 </file>
 
 <file path=customXml/item2.xml><?xml version="1.0" encoding="utf-8"?>
+<p:properties xmlns:p="http://schemas.microsoft.com/office/2006/metadata/properties" xmlns:xsi="http://www.w3.org/2001/XMLSchema-instance" xmlns:pc="http://schemas.microsoft.com/office/infopath/2007/PartnerControls">
+  <documentManagement/>
+</p:properties>
+</file>
+
+<file path=customXml/item3.xml><?xml version="1.0" encoding="utf-8"?>
 <ct:contentTypeSchema xmlns:ct="http://schemas.microsoft.com/office/2006/metadata/contentType" xmlns:ma="http://schemas.microsoft.com/office/2006/metadata/properties/metaAttributes" ct:_="" ma:_="" ma:contentTypeName="Document" ma:contentTypeID="0x010100B709D8DA39404E429F006B3F94B6A56B" ma:contentTypeVersion="0" ma:contentTypeDescription="Create a new document." ma:contentTypeScope="" ma:versionID="63b151c6e72fe6cfcfe11e3b787e1d3d">
   <xsd:schema xmlns:xsd="http://www.w3.org/2001/XMLSchema" xmlns:xs="http://www.w3.org/2001/XMLSchema" xmlns:p="http://schemas.microsoft.com/office/2006/metadata/properties" targetNamespace="http://schemas.microsoft.com/office/2006/metadata/properties" ma:root="true" ma:fieldsID="e3f0b4ead09fc5ac33ce8381fa26e531">
     <xsd:element name="properties">
@@ -21992,12 +22003,6 @@
 </ct:contentTypeSchema>
 </file>
 
-<file path=customXml/item3.xml><?xml version="1.0" encoding="utf-8"?>
-<p:properties xmlns:p="http://schemas.microsoft.com/office/2006/metadata/properties" xmlns:xsi="http://www.w3.org/2001/XMLSchema-instance" xmlns:pc="http://schemas.microsoft.com/office/infopath/2007/PartnerControls">
-  <documentManagement/>
-</p:properties>
-</file>
-
 <file path=customXml/itemProps1.xml><?xml version="1.0" encoding="utf-8"?>
 <ds:datastoreItem xmlns:ds="http://schemas.openxmlformats.org/officeDocument/2006/customXml" ds:itemID="{B4606E04-852E-4880-8CD1-0B186F4087B1}">
   <ds:schemaRefs>
@@ -22007,6 +22012,21 @@
 </file>
 
 <file path=customXml/itemProps2.xml><?xml version="1.0" encoding="utf-8"?>
+<ds:datastoreItem xmlns:ds="http://schemas.openxmlformats.org/officeDocument/2006/customXml" ds:itemID="{F1AEA8A7-A694-4DB0-82AB-EF48F2E9B6F9}">
+  <ds:schemaRefs>
+    <ds:schemaRef ds:uri="http://purl.org/dc/elements/1.1/"/>
+    <ds:schemaRef ds:uri="http://schemas.microsoft.com/office/2006/metadata/properties"/>
+    <ds:schemaRef ds:uri="http://schemas.microsoft.com/office/2006/documentManagement/types"/>
+    <ds:schemaRef ds:uri="http://purl.org/dc/terms/"/>
+    <ds:schemaRef ds:uri="http://schemas.openxmlformats.org/package/2006/metadata/core-properties"/>
+    <ds:schemaRef ds:uri="http://purl.org/dc/dcmitype/"/>
+    <ds:schemaRef ds:uri="http://schemas.microsoft.com/office/infopath/2007/PartnerControls"/>
+    <ds:schemaRef ds:uri="http://www.w3.org/XML/1998/namespace"/>
+  </ds:schemaRefs>
+</ds:datastoreItem>
+</file>
+
+<file path=customXml/itemProps3.xml><?xml version="1.0" encoding="utf-8"?>
 <ds:datastoreItem xmlns:ds="http://schemas.openxmlformats.org/officeDocument/2006/customXml" ds:itemID="{99E63BD4-356B-47A8-B9CB-423EDCAB0259}">
   <ds:schemaRefs>
     <ds:schemaRef ds:uri="http://schemas.microsoft.com/office/2006/metadata/contentType"/>
@@ -22020,19 +22040,4 @@
     <ds:schemaRef ds:uri="http://schemas.microsoft.com/office/infopath/2007/PartnerControls"/>
   </ds:schemaRefs>
 </ds:datastoreItem>
-</file>
-
-<file path=customXml/itemProps3.xml><?xml version="1.0" encoding="utf-8"?>
-<ds:datastoreItem xmlns:ds="http://schemas.openxmlformats.org/officeDocument/2006/customXml" ds:itemID="{F1AEA8A7-A694-4DB0-82AB-EF48F2E9B6F9}">
-  <ds:schemaRefs>
-    <ds:schemaRef ds:uri="http://purl.org/dc/elements/1.1/"/>
-    <ds:schemaRef ds:uri="http://schemas.microsoft.com/office/2006/metadata/properties"/>
-    <ds:schemaRef ds:uri="http://schemas.microsoft.com/office/2006/documentManagement/types"/>
-    <ds:schemaRef ds:uri="http://purl.org/dc/terms/"/>
-    <ds:schemaRef ds:uri="http://schemas.openxmlformats.org/package/2006/metadata/core-properties"/>
-    <ds:schemaRef ds:uri="http://purl.org/dc/dcmitype/"/>
-    <ds:schemaRef ds:uri="http://schemas.microsoft.com/office/infopath/2007/PartnerControls"/>
-    <ds:schemaRef ds:uri="http://www.w3.org/XML/1998/namespace"/>
-  </ds:schemaRefs>
-</ds:datastoreItem>
 </file>